--- a/Big Data/Big Data Presentation.pptx
+++ b/Big Data/Big Data Presentation.pptx
@@ -300,7 +300,7 @@
           <a:p>
             <a:fld id="{6BB2F735-02E0-2E4C-AABC-9366BCA9F64E}" type="datetimeFigureOut">
               <a:rPr lang="en-US" smtClean="0"/>
-              <a:t>12/3/14</a:t>
+              <a:t>12/10/14</a:t>
             </a:fld>
             <a:endParaRPr lang="en-US"/>
           </a:p>
@@ -501,7 +501,7 @@
           <a:p>
             <a:fld id="{6BB2F735-02E0-2E4C-AABC-9366BCA9F64E}" type="datetimeFigureOut">
               <a:rPr lang="en-US" smtClean="0"/>
-              <a:t>12/3/14</a:t>
+              <a:t>12/10/14</a:t>
             </a:fld>
             <a:endParaRPr lang="en-US"/>
           </a:p>
@@ -676,7 +676,7 @@
           <a:p>
             <a:fld id="{6BB2F735-02E0-2E4C-AABC-9366BCA9F64E}" type="datetimeFigureOut">
               <a:rPr lang="en-US" smtClean="0"/>
-              <a:t>12/3/14</a:t>
+              <a:t>12/10/14</a:t>
             </a:fld>
             <a:endParaRPr lang="en-US"/>
           </a:p>
@@ -841,7 +841,7 @@
           <a:p>
             <a:fld id="{6BB2F735-02E0-2E4C-AABC-9366BCA9F64E}" type="datetimeFigureOut">
               <a:rPr lang="en-US" smtClean="0"/>
-              <a:t>12/3/14</a:t>
+              <a:t>12/10/14</a:t>
             </a:fld>
             <a:endParaRPr lang="en-US"/>
           </a:p>
@@ -1089,7 +1089,7 @@
           <a:p>
             <a:fld id="{6BB2F735-02E0-2E4C-AABC-9366BCA9F64E}" type="datetimeFigureOut">
               <a:rPr lang="en-US" smtClean="0"/>
-              <a:t>12/3/14</a:t>
+              <a:t>12/10/14</a:t>
             </a:fld>
             <a:endParaRPr lang="en-US"/>
           </a:p>
@@ -1407,7 +1407,7 @@
           <a:p>
             <a:fld id="{6BB2F735-02E0-2E4C-AABC-9366BCA9F64E}" type="datetimeFigureOut">
               <a:rPr lang="en-US" smtClean="0"/>
-              <a:t>12/3/14</a:t>
+              <a:t>12/10/14</a:t>
             </a:fld>
             <a:endParaRPr lang="en-US"/>
           </a:p>
@@ -1873,7 +1873,7 @@
           <a:p>
             <a:fld id="{6BB2F735-02E0-2E4C-AABC-9366BCA9F64E}" type="datetimeFigureOut">
               <a:rPr lang="en-US" smtClean="0"/>
-              <a:t>12/3/14</a:t>
+              <a:t>12/10/14</a:t>
             </a:fld>
             <a:endParaRPr lang="en-US"/>
           </a:p>
@@ -2021,7 +2021,7 @@
           <a:p>
             <a:fld id="{6BB2F735-02E0-2E4C-AABC-9366BCA9F64E}" type="datetimeFigureOut">
               <a:rPr lang="en-US" smtClean="0"/>
-              <a:t>12/3/14</a:t>
+              <a:t>12/10/14</a:t>
             </a:fld>
             <a:endParaRPr lang="en-US"/>
           </a:p>
@@ -2111,7 +2111,7 @@
           <a:p>
             <a:fld id="{6BB2F735-02E0-2E4C-AABC-9366BCA9F64E}" type="datetimeFigureOut">
               <a:rPr lang="en-US" smtClean="0"/>
-              <a:t>12/3/14</a:t>
+              <a:t>12/10/14</a:t>
             </a:fld>
             <a:endParaRPr lang="en-US"/>
           </a:p>
@@ -2385,7 +2385,7 @@
           <a:p>
             <a:fld id="{6BB2F735-02E0-2E4C-AABC-9366BCA9F64E}" type="datetimeFigureOut">
               <a:rPr lang="en-US" smtClean="0"/>
-              <a:t>12/3/14</a:t>
+              <a:t>12/10/14</a:t>
             </a:fld>
             <a:endParaRPr lang="en-US"/>
           </a:p>
@@ -2691,7 +2691,7 @@
           <a:p>
             <a:fld id="{6BB2F735-02E0-2E4C-AABC-9366BCA9F64E}" type="datetimeFigureOut">
               <a:rPr lang="en-US" smtClean="0"/>
-              <a:t>12/3/14</a:t>
+              <a:t>12/10/14</a:t>
             </a:fld>
             <a:endParaRPr lang="en-US"/>
           </a:p>
@@ -2989,7 +2989,7 @@
           <a:p>
             <a:fld id="{6BB2F735-02E0-2E4C-AABC-9366BCA9F64E}" type="datetimeFigureOut">
               <a:rPr lang="en-US" smtClean="0"/>
-              <a:t>12/3/14</a:t>
+              <a:t>12/10/14</a:t>
             </a:fld>
             <a:endParaRPr lang="en-US"/>
           </a:p>
@@ -3575,8 +3575,9 @@
           <a:p>
             <a:r>
               <a:rPr lang="en-US" dirty="0" smtClean="0"/>
-              <a:t>Scalable</a:t>
-            </a:r>
+              <a:t>Scalable, for large scale applications and many users</a:t>
+            </a:r>
+            <a:endParaRPr lang="en-US" dirty="0" smtClean="0"/>
           </a:p>
           <a:p>
             <a:endParaRPr lang="en-US" dirty="0"/>
@@ -3593,8 +3594,13 @@
           <a:p>
             <a:r>
               <a:rPr lang="en-US" dirty="0" smtClean="0"/>
-              <a:t>Inexpensive commodity hardware</a:t>
-            </a:r>
+              <a:t>Inexpensive commodity </a:t>
+            </a:r>
+            <a:r>
+              <a:rPr lang="en-US" dirty="0" smtClean="0"/>
+              <a:t>hardware, so it can easily be replaced if there is an error</a:t>
+            </a:r>
+            <a:endParaRPr lang="en-US" dirty="0" smtClean="0"/>
           </a:p>
           <a:p>
             <a:endParaRPr lang="en-US" dirty="0"/>
@@ -3602,8 +3608,13 @@
           <a:p>
             <a:r>
               <a:rPr lang="en-US" dirty="0" smtClean="0"/>
-              <a:t>Fault Tolerance</a:t>
-            </a:r>
+              <a:t>Fault </a:t>
+            </a:r>
+            <a:r>
+              <a:rPr lang="en-US" dirty="0" smtClean="0"/>
+              <a:t>Tolerance, in the case of an error</a:t>
+            </a:r>
+            <a:endParaRPr lang="en-US" dirty="0" smtClean="0"/>
           </a:p>
           <a:p>
             <a:endParaRPr lang="en-US" dirty="0"/>
@@ -3683,26 +3694,13 @@
           <a:p>
             <a:r>
               <a:rPr lang="en-US" dirty="0" smtClean="0"/>
-              <a:t>Contains thousands of inexpensive storage machines</a:t>
-            </a:r>
-          </a:p>
-          <a:p>
-            <a:endParaRPr lang="en-US" dirty="0"/>
-          </a:p>
-          <a:p>
+              <a:t>Contains thousands of inexpensive storage </a:t>
+            </a:r>
             <a:r>
               <a:rPr lang="en-US" dirty="0" smtClean="0"/>
-              <a:t> Uses a single Master to control the file system</a:t>
-            </a:r>
-          </a:p>
-          <a:p>
-            <a:endParaRPr lang="en-US" dirty="0"/>
-          </a:p>
-          <a:p>
-            <a:r>
-              <a:rPr lang="en-US" dirty="0" smtClean="0"/>
-              <a:t>Stores Data in chunks, 64MB</a:t>
-            </a:r>
+              <a:t>machines, which is good for scalability and replacing hardware</a:t>
+            </a:r>
+            <a:endParaRPr lang="en-US" dirty="0" smtClean="0"/>
           </a:p>
           <a:p>
             <a:endParaRPr lang="en-US" dirty="0"/>
@@ -3713,13 +3711,50 @@
               <a:t>Uses </a:t>
             </a:r>
             <a:r>
+              <a:rPr lang="en-US" dirty="0" smtClean="0"/>
+              <a:t>a single Master to control the file </a:t>
+            </a:r>
+            <a:r>
+              <a:rPr lang="en-US" dirty="0" smtClean="0"/>
+              <a:t>system</a:t>
+            </a:r>
+            <a:endParaRPr lang="en-US" dirty="0" smtClean="0"/>
+          </a:p>
+          <a:p>
+            <a:endParaRPr lang="en-US" dirty="0"/>
+          </a:p>
+          <a:p>
+            <a:r>
+              <a:rPr lang="en-US" dirty="0" smtClean="0"/>
+              <a:t>Stores Data in chunks, </a:t>
+            </a:r>
+            <a:r>
+              <a:rPr lang="en-US" dirty="0" smtClean="0"/>
+              <a:t>64MB, which is good for quick access to information</a:t>
+            </a:r>
+            <a:endParaRPr lang="en-US" dirty="0" smtClean="0"/>
+          </a:p>
+          <a:p>
+            <a:endParaRPr lang="en-US" dirty="0"/>
+          </a:p>
+          <a:p>
+            <a:r>
+              <a:rPr lang="en-US" dirty="0" smtClean="0"/>
+              <a:t>Uses </a:t>
+            </a:r>
+            <a:r>
               <a:rPr lang="en-US" dirty="0"/>
               <a:t>W</a:t>
             </a:r>
             <a:r>
               <a:rPr lang="en-US" dirty="0" smtClean="0"/>
-              <a:t>rites &amp; Mutations</a:t>
-            </a:r>
+              <a:t>rites &amp; </a:t>
+            </a:r>
+            <a:r>
+              <a:rPr lang="en-US" dirty="0" smtClean="0"/>
+              <a:t>Mutations, which minimizes the computing time</a:t>
+            </a:r>
+            <a:endParaRPr lang="en-US" dirty="0" smtClean="0"/>
           </a:p>
           <a:p>
             <a:endParaRPr lang="en-US" dirty="0"/>
@@ -3905,14 +3940,27 @@
             <p:ph idx="1"/>
           </p:nvPr>
         </p:nvSpPr>
-        <p:spPr/>
+        <p:spPr>
+          <a:xfrm>
+            <a:off x="457200" y="1771829"/>
+            <a:ext cx="8229600" cy="4876800"/>
+          </a:xfrm>
+        </p:spPr>
         <p:txBody>
           <a:bodyPr/>
           <a:lstStyle/>
           <a:p>
             <a:r>
               <a:rPr lang="en-US" dirty="0" smtClean="0"/>
-              <a:t>Map &amp; Reduce is similarly efficient, but not as scalable</a:t>
+              <a:t>Map &amp; </a:t>
+            </a:r>
+            <a:r>
+              <a:rPr lang="en-US" dirty="0" smtClean="0"/>
+              <a:t>Reduce is </a:t>
+            </a:r>
+            <a:r>
+              <a:rPr lang="en-US" dirty="0" smtClean="0"/>
+              <a:t>similarly efficient, but not as scalable</a:t>
             </a:r>
           </a:p>
           <a:p>
@@ -3921,11 +3969,7 @@
           <a:p>
             <a:r>
               <a:rPr lang="en-US" dirty="0" smtClean="0"/>
-              <a:t>No Indexing </a:t>
-            </a:r>
-            <a:r>
-              <a:rPr lang="en-US" dirty="0" smtClean="0"/>
-              <a:t>relies too much on the programmer</a:t>
+              <a:t>No Indexing relies too much on the programmer</a:t>
             </a:r>
           </a:p>
           <a:p>
@@ -4005,13 +4049,20 @@
         </p:nvSpPr>
         <p:spPr/>
         <p:txBody>
-          <a:bodyPr/>
+          <a:bodyPr>
+            <a:normAutofit lnSpcReduction="10000"/>
+          </a:bodyPr>
           <a:lstStyle/>
           <a:p>
             <a:r>
               <a:rPr lang="en-US" dirty="0" smtClean="0"/>
-              <a:t>GFS provides more scalability</a:t>
-            </a:r>
+              <a:t>GFS provides more </a:t>
+            </a:r>
+            <a:r>
+              <a:rPr lang="en-US" dirty="0" smtClean="0"/>
+              <a:t>scalability, which is important for a huge company</a:t>
+            </a:r>
+            <a:endParaRPr lang="en-US" dirty="0" smtClean="0"/>
           </a:p>
           <a:p>
             <a:endParaRPr lang="en-US" dirty="0"/>
@@ -4019,8 +4070,13 @@
           <a:p>
             <a:r>
               <a:rPr lang="en-US" dirty="0" smtClean="0"/>
-              <a:t>MR has very strong fault tolerance </a:t>
-            </a:r>
+              <a:t>MR has very strong fault </a:t>
+            </a:r>
+            <a:r>
+              <a:rPr lang="en-US" dirty="0" smtClean="0"/>
+              <a:t>tolerance, which insures correct data and always being available  </a:t>
+            </a:r>
+            <a:endParaRPr lang="en-US" dirty="0" smtClean="0"/>
           </a:p>
           <a:p>
             <a:endParaRPr lang="en-US" dirty="0"/>
@@ -4028,11 +4084,11 @@
           <a:p>
             <a:r>
               <a:rPr lang="en-US" dirty="0" smtClean="0"/>
-              <a:t>GFS relies too much on the master to </a:t>
-            </a:r>
-            <a:r>
-              <a:rPr lang="en-US" smtClean="0"/>
-              <a:t>handle situations</a:t>
+              <a:t>GFS relies too much on the master to handle </a:t>
+            </a:r>
+            <a:r>
+              <a:rPr lang="en-US" dirty="0" smtClean="0"/>
+              <a:t>situations, which could cause errors if the master is not coded properly</a:t>
             </a:r>
             <a:endParaRPr lang="en-US" dirty="0" smtClean="0"/>
           </a:p>
@@ -4042,7 +4098,11 @@
           <a:p>
             <a:r>
               <a:rPr lang="en-US" dirty="0" smtClean="0"/>
-              <a:t>MR relies much more on the programmer</a:t>
+              <a:t>MR relies much more on the </a:t>
+            </a:r>
+            <a:r>
+              <a:rPr lang="en-US" dirty="0" smtClean="0"/>
+              <a:t>programmer, which can always cause errors</a:t>
             </a:r>
             <a:endParaRPr lang="en-US" dirty="0"/>
           </a:p>
